--- a/Slides/PPT.pptx
+++ b/Slides/PPT.pptx
@@ -20,35 +20,37 @@
     <p:sldId id="263" r:id="rId15"/>
     <p:sldId id="264" r:id="rId16"/>
     <p:sldId id="265" r:id="rId17"/>
+    <p:sldId id="266" r:id="rId18"/>
+    <p:sldId id="267" r:id="rId19"/>
   </p:sldIdLst>
   <p:sldSz cy="5143500" cx="9144000"/>
   <p:notesSz cx="6858000" cy="9144000"/>
   <p:embeddedFontLst>
     <p:embeddedFont>
       <p:font typeface="Raleway"/>
-      <p:regular r:id="rId18"/>
-      <p:bold r:id="rId19"/>
-      <p:italic r:id="rId20"/>
-      <p:boldItalic r:id="rId21"/>
+      <p:regular r:id="rId20"/>
+      <p:bold r:id="rId21"/>
+      <p:italic r:id="rId22"/>
+      <p:boldItalic r:id="rId23"/>
     </p:embeddedFont>
     <p:embeddedFont>
       <p:font typeface="Playfair Display"/>
-      <p:regular r:id="rId22"/>
-      <p:bold r:id="rId23"/>
-      <p:italic r:id="rId24"/>
-      <p:boldItalic r:id="rId25"/>
+      <p:regular r:id="rId24"/>
+      <p:bold r:id="rId25"/>
+      <p:italic r:id="rId26"/>
+      <p:boldItalic r:id="rId27"/>
     </p:embeddedFont>
     <p:embeddedFont>
       <p:font typeface="Montserrat"/>
-      <p:regular r:id="rId26"/>
-      <p:bold r:id="rId27"/>
-      <p:italic r:id="rId28"/>
-      <p:boldItalic r:id="rId29"/>
+      <p:regular r:id="rId28"/>
+      <p:bold r:id="rId29"/>
+      <p:italic r:id="rId30"/>
+      <p:boldItalic r:id="rId31"/>
     </p:embeddedFont>
     <p:embeddedFont>
       <p:font typeface="Oswald"/>
-      <p:regular r:id="rId30"/>
-      <p:bold r:id="rId31"/>
+      <p:regular r:id="rId32"/>
+      <p:bold r:id="rId33"/>
     </p:embeddedFont>
   </p:embeddedFontLst>
   <p:defaultTextStyle>
@@ -843,7 +845,7 @@
       </p:grpSpPr>
       <p:sp>
         <p:nvSpPr>
-          <p:cNvPr id="210" name="Google Shape;210;g248feda3743_0_60:notes"/>
+          <p:cNvPr id="210" name="Google Shape;210;g2880a44cf0d_0_5:notes"/>
           <p:cNvSpPr/>
           <p:nvPr>
             <p:ph idx="2" type="sldImg"/>
@@ -878,7 +880,205 @@
       </p:sp>
       <p:sp>
         <p:nvSpPr>
-          <p:cNvPr id="211" name="Google Shape;211;g248feda3743_0_60:notes"/>
+          <p:cNvPr id="211" name="Google Shape;211;g2880a44cf0d_0_5:notes"/>
+          <p:cNvSpPr txBox="1"/>
+          <p:nvPr>
+            <p:ph idx="1" type="body"/>
+          </p:nvPr>
+        </p:nvSpPr>
+        <p:spPr>
+          <a:xfrm>
+            <a:off x="685800" y="4343400"/>
+            <a:ext cx="5486400" cy="4114800"/>
+          </a:xfrm>
+          <a:prstGeom prst="rect">
+            <a:avLst/>
+          </a:prstGeom>
+        </p:spPr>
+        <p:txBody>
+          <a:bodyPr anchorCtr="0" anchor="t" bIns="91425" lIns="91425" spcFirstLastPara="1" rIns="91425" wrap="square" tIns="91425">
+            <a:noAutofit/>
+          </a:bodyPr>
+          <a:lstStyle/>
+          <a:p>
+            <a:pPr indent="0" lvl="0" marL="0" rtl="0" algn="l">
+              <a:spcBef>
+                <a:spcPts val="0"/>
+              </a:spcBef>
+              <a:spcAft>
+                <a:spcPts val="0"/>
+              </a:spcAft>
+              <a:buNone/>
+            </a:pPr>
+            <a:r>
+              <a:t/>
+            </a:r>
+            <a:endParaRPr/>
+          </a:p>
+        </p:txBody>
+      </p:sp>
+    </p:spTree>
+  </p:cSld>
+  <p:clrMapOvr>
+    <a:masterClrMapping/>
+  </p:clrMapOvr>
+</p:notes>
+</file>
+
+<file path=ppt/notesSlides/notesSlide11.xml><?xml version="1.0" encoding="utf-8"?>
+<p:notes xmlns:a="http://schemas.openxmlformats.org/drawingml/2006/main" xmlns:r="http://schemas.openxmlformats.org/officeDocument/2006/relationships" xmlns:mc="http://schemas.openxmlformats.org/markup-compatibility/2006" xmlns:mv="urn:schemas-microsoft-com:mac:vml" xmlns:p="http://schemas.openxmlformats.org/presentationml/2006/main" xmlns:c="http://schemas.openxmlformats.org/drawingml/2006/chart" xmlns:dgm="http://schemas.openxmlformats.org/drawingml/2006/diagram" xmlns:o="urn:schemas-microsoft-com:office:office" xmlns:v="urn:schemas-microsoft-com:vml" xmlns:pvml="urn:schemas-microsoft-com:office:powerpoint" xmlns:com="http://schemas.openxmlformats.org/drawingml/2006/compatibility" xmlns:p14="http://schemas.microsoft.com/office/powerpoint/2010/main" xmlns:p15="http://schemas.microsoft.com/office/powerpoint/2012/main" xmlns:ahyp="http://schemas.microsoft.com/office/drawing/2018/hyperlinkcolor" showMasterPhAnim="0" showMasterSp="0">
+  <p:cSld>
+    <p:spTree>
+      <p:nvGrpSpPr>
+        <p:cNvPr id="215" name="Shape 215"/>
+        <p:cNvGrpSpPr/>
+        <p:nvPr/>
+      </p:nvGrpSpPr>
+      <p:grpSpPr>
+        <a:xfrm>
+          <a:off x="0" y="0"/>
+          <a:ext cx="0" cy="0"/>
+          <a:chOff x="0" y="0"/>
+          <a:chExt cx="0" cy="0"/>
+        </a:xfrm>
+      </p:grpSpPr>
+      <p:sp>
+        <p:nvSpPr>
+          <p:cNvPr id="216" name="Google Shape;216;g28700767601_0_9:notes"/>
+          <p:cNvSpPr/>
+          <p:nvPr>
+            <p:ph idx="2" type="sldImg"/>
+          </p:nvPr>
+        </p:nvSpPr>
+        <p:spPr>
+          <a:xfrm>
+            <a:off x="381300" y="685800"/>
+            <a:ext cx="6096000" cy="3429000"/>
+          </a:xfrm>
+          <a:custGeom>
+            <a:rect b="b" l="l" r="r" t="t"/>
+            <a:pathLst>
+              <a:path extrusionOk="0" h="120000" w="120000">
+                <a:moveTo>
+                  <a:pt x="0" y="0"/>
+                </a:moveTo>
+                <a:lnTo>
+                  <a:pt x="120000" y="0"/>
+                </a:lnTo>
+                <a:lnTo>
+                  <a:pt x="120000" y="120000"/>
+                </a:lnTo>
+                <a:lnTo>
+                  <a:pt x="0" y="120000"/>
+                </a:lnTo>
+                <a:close/>
+              </a:path>
+            </a:pathLst>
+          </a:custGeom>
+        </p:spPr>
+      </p:sp>
+      <p:sp>
+        <p:nvSpPr>
+          <p:cNvPr id="217" name="Google Shape;217;g28700767601_0_9:notes"/>
+          <p:cNvSpPr txBox="1"/>
+          <p:nvPr>
+            <p:ph idx="1" type="body"/>
+          </p:nvPr>
+        </p:nvSpPr>
+        <p:spPr>
+          <a:xfrm>
+            <a:off x="685800" y="4343400"/>
+            <a:ext cx="5486400" cy="4114800"/>
+          </a:xfrm>
+          <a:prstGeom prst="rect">
+            <a:avLst/>
+          </a:prstGeom>
+        </p:spPr>
+        <p:txBody>
+          <a:bodyPr anchorCtr="0" anchor="t" bIns="91425" lIns="91425" spcFirstLastPara="1" rIns="91425" wrap="square" tIns="91425">
+            <a:noAutofit/>
+          </a:bodyPr>
+          <a:lstStyle/>
+          <a:p>
+            <a:pPr indent="0" lvl="0" marL="0" rtl="0" algn="l">
+              <a:spcBef>
+                <a:spcPts val="0"/>
+              </a:spcBef>
+              <a:spcAft>
+                <a:spcPts val="0"/>
+              </a:spcAft>
+              <a:buNone/>
+            </a:pPr>
+            <a:r>
+              <a:t/>
+            </a:r>
+            <a:endParaRPr/>
+          </a:p>
+        </p:txBody>
+      </p:sp>
+    </p:spTree>
+  </p:cSld>
+  <p:clrMapOvr>
+    <a:masterClrMapping/>
+  </p:clrMapOvr>
+</p:notes>
+</file>
+
+<file path=ppt/notesSlides/notesSlide12.xml><?xml version="1.0" encoding="utf-8"?>
+<p:notes xmlns:a="http://schemas.openxmlformats.org/drawingml/2006/main" xmlns:r="http://schemas.openxmlformats.org/officeDocument/2006/relationships" xmlns:mc="http://schemas.openxmlformats.org/markup-compatibility/2006" xmlns:mv="urn:schemas-microsoft-com:mac:vml" xmlns:p="http://schemas.openxmlformats.org/presentationml/2006/main" xmlns:c="http://schemas.openxmlformats.org/drawingml/2006/chart" xmlns:dgm="http://schemas.openxmlformats.org/drawingml/2006/diagram" xmlns:o="urn:schemas-microsoft-com:office:office" xmlns:v="urn:schemas-microsoft-com:vml" xmlns:pvml="urn:schemas-microsoft-com:office:powerpoint" xmlns:com="http://schemas.openxmlformats.org/drawingml/2006/compatibility" xmlns:p14="http://schemas.microsoft.com/office/powerpoint/2010/main" xmlns:p15="http://schemas.microsoft.com/office/powerpoint/2012/main" xmlns:ahyp="http://schemas.microsoft.com/office/drawing/2018/hyperlinkcolor" showMasterPhAnim="0" showMasterSp="0">
+  <p:cSld>
+    <p:spTree>
+      <p:nvGrpSpPr>
+        <p:cNvPr id="221" name="Shape 221"/>
+        <p:cNvGrpSpPr/>
+        <p:nvPr/>
+      </p:nvGrpSpPr>
+      <p:grpSpPr>
+        <a:xfrm>
+          <a:off x="0" y="0"/>
+          <a:ext cx="0" cy="0"/>
+          <a:chOff x="0" y="0"/>
+          <a:chExt cx="0" cy="0"/>
+        </a:xfrm>
+      </p:grpSpPr>
+      <p:sp>
+        <p:nvSpPr>
+          <p:cNvPr id="222" name="Google Shape;222;g248feda3743_0_60:notes"/>
+          <p:cNvSpPr/>
+          <p:nvPr>
+            <p:ph idx="2" type="sldImg"/>
+          </p:nvPr>
+        </p:nvSpPr>
+        <p:spPr>
+          <a:xfrm>
+            <a:off x="381300" y="685800"/>
+            <a:ext cx="6096000" cy="3429000"/>
+          </a:xfrm>
+          <a:custGeom>
+            <a:rect b="b" l="l" r="r" t="t"/>
+            <a:pathLst>
+              <a:path extrusionOk="0" h="120000" w="120000">
+                <a:moveTo>
+                  <a:pt x="0" y="0"/>
+                </a:moveTo>
+                <a:lnTo>
+                  <a:pt x="120000" y="0"/>
+                </a:lnTo>
+                <a:lnTo>
+                  <a:pt x="120000" y="120000"/>
+                </a:lnTo>
+                <a:lnTo>
+                  <a:pt x="0" y="120000"/>
+                </a:lnTo>
+                <a:close/>
+              </a:path>
+            </a:pathLst>
+          </a:custGeom>
+        </p:spPr>
+      </p:sp>
+      <p:sp>
+        <p:nvSpPr>
+          <p:cNvPr id="223" name="Google Shape;223;g248feda3743_0_60:notes"/>
           <p:cNvSpPr txBox="1"/>
           <p:nvPr>
             <p:ph idx="1" type="body"/>
@@ -1239,7 +1439,7 @@
       </p:grpSpPr>
       <p:sp>
         <p:nvSpPr>
-          <p:cNvPr id="177" name="Google Shape;177;g24aeb10fbe5_0_1:notes"/>
+          <p:cNvPr id="177" name="Google Shape;177;g28700767601_0_34:notes"/>
           <p:cNvSpPr/>
           <p:nvPr>
             <p:ph idx="2" type="sldImg"/>
@@ -1274,7 +1474,7 @@
       </p:sp>
       <p:sp>
         <p:nvSpPr>
-          <p:cNvPr id="178" name="Google Shape;178;g24aeb10fbe5_0_1:notes"/>
+          <p:cNvPr id="178" name="Google Shape;178;g28700767601_0_34:notes"/>
           <p:cNvSpPr txBox="1"/>
           <p:nvPr>
             <p:ph idx="1" type="body"/>
@@ -1324,7 +1524,7 @@
   <p:cSld>
     <p:spTree>
       <p:nvGrpSpPr>
-        <p:cNvPr id="182" name="Shape 182"/>
+        <p:cNvPr id="183" name="Shape 183"/>
         <p:cNvGrpSpPr/>
         <p:nvPr/>
       </p:nvGrpSpPr>
@@ -1338,7 +1538,7 @@
       </p:grpSpPr>
       <p:sp>
         <p:nvSpPr>
-          <p:cNvPr id="183" name="Google Shape;183;g28700767601_0_34:notes"/>
+          <p:cNvPr id="184" name="Google Shape;184;g24aeb10fbe5_0_1:notes"/>
           <p:cNvSpPr/>
           <p:nvPr>
             <p:ph idx="2" type="sldImg"/>
@@ -1373,7 +1573,7 @@
       </p:sp>
       <p:sp>
         <p:nvSpPr>
-          <p:cNvPr id="184" name="Google Shape;184;g28700767601_0_34:notes"/>
+          <p:cNvPr id="185" name="Google Shape;185;g24aeb10fbe5_0_1:notes"/>
           <p:cNvSpPr txBox="1"/>
           <p:nvPr>
             <p:ph idx="1" type="body"/>
@@ -1635,7 +1835,7 @@
       </p:grpSpPr>
       <p:sp>
         <p:nvSpPr>
-          <p:cNvPr id="204" name="Google Shape;204;g28700767601_0_9:notes"/>
+          <p:cNvPr id="204" name="Google Shape;204;g2880a44cf0d_0_0:notes"/>
           <p:cNvSpPr/>
           <p:nvPr>
             <p:ph idx="2" type="sldImg"/>
@@ -1670,7 +1870,7 @@
       </p:sp>
       <p:sp>
         <p:nvSpPr>
-          <p:cNvPr id="205" name="Google Shape;205;g28700767601_0_9:notes"/>
+          <p:cNvPr id="205" name="Google Shape;205;g2880a44cf0d_0_0:notes"/>
           <p:cNvSpPr txBox="1"/>
           <p:nvPr>
             <p:ph idx="1" type="body"/>
@@ -17465,6 +17665,452 @@
         </p:nvSpPr>
         <p:spPr>
           <a:xfrm>
+            <a:off x="311700" y="445025"/>
+            <a:ext cx="8520600" cy="623400"/>
+          </a:xfrm>
+          <a:prstGeom prst="rect">
+            <a:avLst/>
+          </a:prstGeom>
+        </p:spPr>
+        <p:txBody>
+          <a:bodyPr anchorCtr="0" anchor="t" bIns="91425" lIns="91425" spcFirstLastPara="1" rIns="91425" wrap="square" tIns="91425">
+            <a:normAutofit fontScale="90000"/>
+          </a:bodyPr>
+          <a:lstStyle/>
+          <a:p>
+            <a:pPr indent="0" lvl="0" marL="0" rtl="0" algn="l">
+              <a:spcBef>
+                <a:spcPts val="0"/>
+              </a:spcBef>
+              <a:spcAft>
+                <a:spcPts val="0"/>
+              </a:spcAft>
+              <a:buNone/>
+            </a:pPr>
+            <a:r>
+              <a:rPr lang="en"/>
+              <a:t>Performance and Limitations</a:t>
+            </a:r>
+            <a:endParaRPr/>
+          </a:p>
+        </p:txBody>
+      </p:sp>
+      <p:sp>
+        <p:nvSpPr>
+          <p:cNvPr id="214" name="Google Shape;214;p46"/>
+          <p:cNvSpPr txBox="1"/>
+          <p:nvPr>
+            <p:ph idx="1" type="body"/>
+          </p:nvPr>
+        </p:nvSpPr>
+        <p:spPr>
+          <a:xfrm>
+            <a:off x="311700" y="1152475"/>
+            <a:ext cx="8520600" cy="3416400"/>
+          </a:xfrm>
+          <a:prstGeom prst="rect">
+            <a:avLst/>
+          </a:prstGeom>
+        </p:spPr>
+        <p:txBody>
+          <a:bodyPr anchorCtr="0" anchor="t" bIns="91425" lIns="91425" spcFirstLastPara="1" rIns="91425" wrap="square" tIns="91425">
+            <a:normAutofit/>
+          </a:bodyPr>
+          <a:lstStyle/>
+          <a:p>
+            <a:pPr indent="-342900" lvl="0" marL="457200" rtl="0" algn="l">
+              <a:spcBef>
+                <a:spcPts val="0"/>
+              </a:spcBef>
+              <a:spcAft>
+                <a:spcPts val="0"/>
+              </a:spcAft>
+              <a:buClr>
+                <a:schemeClr val="dk2"/>
+              </a:buClr>
+              <a:buSzPts val="1800"/>
+              <a:buChar char="●"/>
+            </a:pPr>
+            <a:r>
+              <a:rPr lang="en">
+                <a:solidFill>
+                  <a:schemeClr val="dk2"/>
+                </a:solidFill>
+              </a:rPr>
+              <a:t>Our model is fast. </a:t>
+            </a:r>
+            <a:endParaRPr>
+              <a:solidFill>
+                <a:schemeClr val="dk2"/>
+              </a:solidFill>
+            </a:endParaRPr>
+          </a:p>
+          <a:p>
+            <a:pPr indent="-317500" lvl="1" marL="914400" rtl="0" algn="l">
+              <a:spcBef>
+                <a:spcPts val="0"/>
+              </a:spcBef>
+              <a:spcAft>
+                <a:spcPts val="0"/>
+              </a:spcAft>
+              <a:buClr>
+                <a:schemeClr val="dk2"/>
+              </a:buClr>
+              <a:buSzPts val="1400"/>
+              <a:buChar char="○"/>
+            </a:pPr>
+            <a:r>
+              <a:rPr lang="en">
+                <a:solidFill>
+                  <a:schemeClr val="dk2"/>
+                </a:solidFill>
+              </a:rPr>
+              <a:t>38 ms per frame which is approximately 26 fps whereas the real-time data is 24-30 fps</a:t>
+            </a:r>
+            <a:br>
+              <a:rPr lang="en">
+                <a:solidFill>
+                  <a:schemeClr val="dk2"/>
+                </a:solidFill>
+              </a:rPr>
+            </a:br>
+            <a:endParaRPr>
+              <a:solidFill>
+                <a:schemeClr val="dk2"/>
+              </a:solidFill>
+            </a:endParaRPr>
+          </a:p>
+          <a:p>
+            <a:pPr indent="-342900" lvl="0" marL="457200" rtl="0" algn="l">
+              <a:spcBef>
+                <a:spcPts val="0"/>
+              </a:spcBef>
+              <a:spcAft>
+                <a:spcPts val="0"/>
+              </a:spcAft>
+              <a:buClr>
+                <a:schemeClr val="dk2"/>
+              </a:buClr>
+              <a:buSzPts val="1800"/>
+              <a:buChar char="●"/>
+            </a:pPr>
+            <a:r>
+              <a:rPr lang="en">
+                <a:solidFill>
+                  <a:schemeClr val="dk2"/>
+                </a:solidFill>
+              </a:rPr>
+              <a:t>It can handle corner cases.</a:t>
+            </a:r>
+            <a:endParaRPr>
+              <a:solidFill>
+                <a:schemeClr val="dk2"/>
+              </a:solidFill>
+            </a:endParaRPr>
+          </a:p>
+          <a:p>
+            <a:pPr indent="-317500" lvl="1" marL="914400" rtl="0" algn="l">
+              <a:spcBef>
+                <a:spcPts val="0"/>
+              </a:spcBef>
+              <a:spcAft>
+                <a:spcPts val="0"/>
+              </a:spcAft>
+              <a:buClr>
+                <a:schemeClr val="dk2"/>
+              </a:buClr>
+              <a:buSzPts val="1400"/>
+              <a:buChar char="○"/>
+            </a:pPr>
+            <a:r>
+              <a:rPr lang="en">
+                <a:solidFill>
+                  <a:schemeClr val="dk2"/>
+                </a:solidFill>
+              </a:rPr>
+              <a:t>Signal light fluctuations: We have chosen to tag and take a moving confidence score average (this will take out the outliers)</a:t>
+            </a:r>
+            <a:br>
+              <a:rPr lang="en">
+                <a:solidFill>
+                  <a:schemeClr val="dk2"/>
+                </a:solidFill>
+              </a:rPr>
+            </a:br>
+            <a:endParaRPr>
+              <a:solidFill>
+                <a:schemeClr val="dk2"/>
+              </a:solidFill>
+            </a:endParaRPr>
+          </a:p>
+          <a:p>
+            <a:pPr indent="-342900" lvl="0" marL="457200" rtl="0" algn="l">
+              <a:spcBef>
+                <a:spcPts val="0"/>
+              </a:spcBef>
+              <a:spcAft>
+                <a:spcPts val="0"/>
+              </a:spcAft>
+              <a:buClr>
+                <a:schemeClr val="dk2"/>
+              </a:buClr>
+              <a:buSzPts val="1800"/>
+              <a:buChar char="●"/>
+            </a:pPr>
+            <a:r>
+              <a:rPr lang="en">
+                <a:solidFill>
+                  <a:schemeClr val="dk2"/>
+                </a:solidFill>
+              </a:rPr>
+              <a:t>Limitation</a:t>
+            </a:r>
+            <a:endParaRPr>
+              <a:solidFill>
+                <a:schemeClr val="dk2"/>
+              </a:solidFill>
+            </a:endParaRPr>
+          </a:p>
+          <a:p>
+            <a:pPr indent="-317500" lvl="1" marL="914400" rtl="0" algn="l">
+              <a:spcBef>
+                <a:spcPts val="0"/>
+              </a:spcBef>
+              <a:spcAft>
+                <a:spcPts val="0"/>
+              </a:spcAft>
+              <a:buClr>
+                <a:schemeClr val="dk2"/>
+              </a:buClr>
+              <a:buSzPts val="1400"/>
+              <a:buChar char="○"/>
+            </a:pPr>
+            <a:r>
+              <a:rPr lang="en">
+                <a:solidFill>
+                  <a:schemeClr val="dk2"/>
+                </a:solidFill>
+              </a:rPr>
+              <a:t>It is more accurate on day settings</a:t>
+            </a:r>
+            <a:endParaRPr>
+              <a:solidFill>
+                <a:schemeClr val="dk2"/>
+              </a:solidFill>
+            </a:endParaRPr>
+          </a:p>
+          <a:p>
+            <a:pPr indent="-317500" lvl="1" marL="914400" rtl="0" algn="l">
+              <a:spcBef>
+                <a:spcPts val="0"/>
+              </a:spcBef>
+              <a:spcAft>
+                <a:spcPts val="0"/>
+              </a:spcAft>
+              <a:buClr>
+                <a:schemeClr val="dk2"/>
+              </a:buClr>
+              <a:buSzPts val="1400"/>
+              <a:buChar char="○"/>
+            </a:pPr>
+            <a:r>
+              <a:rPr lang="en">
+                <a:solidFill>
+                  <a:schemeClr val="dk2"/>
+                </a:solidFill>
+              </a:rPr>
+              <a:t>If the lights in the image is distorted, it is giving undesirable results</a:t>
+            </a:r>
+            <a:endParaRPr>
+              <a:solidFill>
+                <a:schemeClr val="dk2"/>
+              </a:solidFill>
+            </a:endParaRPr>
+          </a:p>
+        </p:txBody>
+      </p:sp>
+    </p:spTree>
+  </p:cSld>
+  <p:clrMapOvr>
+    <a:masterClrMapping/>
+  </p:clrMapOvr>
+</p:sld>
+</file>
+
+<file path=ppt/slides/slide11.xml><?xml version="1.0" encoding="utf-8"?>
+<p:sld xmlns:a="http://schemas.openxmlformats.org/drawingml/2006/main" xmlns:r="http://schemas.openxmlformats.org/officeDocument/2006/relationships" xmlns:mc="http://schemas.openxmlformats.org/markup-compatibility/2006" xmlns:mv="urn:schemas-microsoft-com:mac:vml" xmlns:p="http://schemas.openxmlformats.org/presentationml/2006/main" xmlns:c="http://schemas.openxmlformats.org/drawingml/2006/chart" xmlns:dgm="http://schemas.openxmlformats.org/drawingml/2006/diagram" xmlns:o="urn:schemas-microsoft-com:office:office" xmlns:v="urn:schemas-microsoft-com:vml" xmlns:pvml="urn:schemas-microsoft-com:office:powerpoint" xmlns:com="http://schemas.openxmlformats.org/drawingml/2006/compatibility" xmlns:p14="http://schemas.microsoft.com/office/powerpoint/2010/main" xmlns:p15="http://schemas.microsoft.com/office/powerpoint/2012/main" xmlns:ahyp="http://schemas.microsoft.com/office/drawing/2018/hyperlinkcolor">
+  <p:cSld>
+    <p:spTree>
+      <p:nvGrpSpPr>
+        <p:cNvPr id="218" name="Shape 218"/>
+        <p:cNvGrpSpPr/>
+        <p:nvPr/>
+      </p:nvGrpSpPr>
+      <p:grpSpPr>
+        <a:xfrm>
+          <a:off x="0" y="0"/>
+          <a:ext cx="0" cy="0"/>
+          <a:chOff x="0" y="0"/>
+          <a:chExt cx="0" cy="0"/>
+        </a:xfrm>
+      </p:grpSpPr>
+      <p:sp>
+        <p:nvSpPr>
+          <p:cNvPr id="219" name="Google Shape;219;p47"/>
+          <p:cNvSpPr txBox="1"/>
+          <p:nvPr>
+            <p:ph type="title"/>
+          </p:nvPr>
+        </p:nvSpPr>
+        <p:spPr>
+          <a:xfrm>
+            <a:off x="311700" y="445025"/>
+            <a:ext cx="8520600" cy="623400"/>
+          </a:xfrm>
+          <a:prstGeom prst="rect">
+            <a:avLst/>
+          </a:prstGeom>
+        </p:spPr>
+        <p:txBody>
+          <a:bodyPr anchorCtr="0" anchor="t" bIns="91425" lIns="91425" spcFirstLastPara="1" rIns="91425" wrap="square" tIns="91425">
+            <a:normAutofit fontScale="90000"/>
+          </a:bodyPr>
+          <a:lstStyle/>
+          <a:p>
+            <a:pPr indent="0" lvl="0" marL="0" rtl="0" algn="l">
+              <a:spcBef>
+                <a:spcPts val="0"/>
+              </a:spcBef>
+              <a:spcAft>
+                <a:spcPts val="0"/>
+              </a:spcAft>
+              <a:buNone/>
+            </a:pPr>
+            <a:r>
+              <a:rPr lang="en"/>
+              <a:t>References</a:t>
+            </a:r>
+            <a:endParaRPr/>
+          </a:p>
+        </p:txBody>
+      </p:sp>
+      <p:sp>
+        <p:nvSpPr>
+          <p:cNvPr id="220" name="Google Shape;220;p47"/>
+          <p:cNvSpPr txBox="1"/>
+          <p:nvPr>
+            <p:ph idx="1" type="body"/>
+          </p:nvPr>
+        </p:nvSpPr>
+        <p:spPr>
+          <a:xfrm>
+            <a:off x="311700" y="1152475"/>
+            <a:ext cx="8520600" cy="3416400"/>
+          </a:xfrm>
+          <a:prstGeom prst="rect">
+            <a:avLst/>
+          </a:prstGeom>
+        </p:spPr>
+        <p:txBody>
+          <a:bodyPr anchorCtr="0" anchor="t" bIns="91425" lIns="91425" spcFirstLastPara="1" rIns="91425" wrap="square" tIns="91425">
+            <a:normAutofit/>
+          </a:bodyPr>
+          <a:lstStyle/>
+          <a:p>
+            <a:pPr indent="-342900" lvl="0" marL="457200" rtl="0" algn="l">
+              <a:spcBef>
+                <a:spcPts val="0"/>
+              </a:spcBef>
+              <a:spcAft>
+                <a:spcPts val="0"/>
+              </a:spcAft>
+              <a:buClr>
+                <a:schemeClr val="dk2"/>
+              </a:buClr>
+              <a:buSzPts val="1800"/>
+              <a:buChar char="●"/>
+            </a:pPr>
+            <a:r>
+              <a:rPr lang="en" u="sng">
+                <a:solidFill>
+                  <a:schemeClr val="hlink"/>
+                </a:solidFill>
+                <a:hlinkClick r:id="rId3"/>
+              </a:rPr>
+              <a:t>MobileNets: Efficient Convolutional Neural Networks for Mobile Vision Applications</a:t>
+            </a:r>
+            <a:endParaRPr>
+              <a:solidFill>
+                <a:schemeClr val="dk2"/>
+              </a:solidFill>
+            </a:endParaRPr>
+          </a:p>
+          <a:p>
+            <a:pPr indent="-342900" lvl="0" marL="457200" rtl="0" algn="l">
+              <a:spcBef>
+                <a:spcPts val="0"/>
+              </a:spcBef>
+              <a:spcAft>
+                <a:spcPts val="0"/>
+              </a:spcAft>
+              <a:buClr>
+                <a:schemeClr val="dk2"/>
+              </a:buClr>
+              <a:buSzPts val="1800"/>
+              <a:buChar char="●"/>
+            </a:pPr>
+            <a:r>
+              <a:rPr lang="en" u="sng">
+                <a:solidFill>
+                  <a:schemeClr val="hlink"/>
+                </a:solidFill>
+                <a:hlinkClick r:id="rId4"/>
+              </a:rPr>
+              <a:t>LISA Traffic Light Dataset</a:t>
+            </a:r>
+            <a:endParaRPr>
+              <a:solidFill>
+                <a:schemeClr val="dk2"/>
+              </a:solidFill>
+            </a:endParaRPr>
+          </a:p>
+        </p:txBody>
+      </p:sp>
+    </p:spTree>
+  </p:cSld>
+  <p:clrMapOvr>
+    <a:masterClrMapping/>
+  </p:clrMapOvr>
+</p:sld>
+</file>
+
+<file path=ppt/slides/slide12.xml><?xml version="1.0" encoding="utf-8"?>
+<p:sld xmlns:a="http://schemas.openxmlformats.org/drawingml/2006/main" xmlns:r="http://schemas.openxmlformats.org/officeDocument/2006/relationships" xmlns:mc="http://schemas.openxmlformats.org/markup-compatibility/2006" xmlns:mv="urn:schemas-microsoft-com:mac:vml" xmlns:p="http://schemas.openxmlformats.org/presentationml/2006/main" xmlns:c="http://schemas.openxmlformats.org/drawingml/2006/chart" xmlns:dgm="http://schemas.openxmlformats.org/drawingml/2006/diagram" xmlns:o="urn:schemas-microsoft-com:office:office" xmlns:v="urn:schemas-microsoft-com:vml" xmlns:pvml="urn:schemas-microsoft-com:office:powerpoint" xmlns:com="http://schemas.openxmlformats.org/drawingml/2006/compatibility" xmlns:p14="http://schemas.microsoft.com/office/powerpoint/2010/main" xmlns:p15="http://schemas.microsoft.com/office/powerpoint/2012/main" xmlns:ahyp="http://schemas.microsoft.com/office/drawing/2018/hyperlinkcolor">
+  <p:cSld>
+    <p:spTree>
+      <p:nvGrpSpPr>
+        <p:cNvPr id="224" name="Shape 224"/>
+        <p:cNvGrpSpPr/>
+        <p:nvPr/>
+      </p:nvGrpSpPr>
+      <p:grpSpPr>
+        <a:xfrm>
+          <a:off x="0" y="0"/>
+          <a:ext cx="0" cy="0"/>
+          <a:chOff x="0" y="0"/>
+          <a:chExt cx="0" cy="0"/>
+        </a:xfrm>
+      </p:grpSpPr>
+      <p:sp>
+        <p:nvSpPr>
+          <p:cNvPr id="225" name="Google Shape;225;p48"/>
+          <p:cNvSpPr txBox="1"/>
+          <p:nvPr>
+            <p:ph type="title"/>
+          </p:nvPr>
+        </p:nvSpPr>
+        <p:spPr>
+          <a:xfrm>
             <a:off x="311700" y="1838700"/>
             <a:ext cx="8520600" cy="1466100"/>
           </a:xfrm>
@@ -18116,7 +18762,7 @@
                   <a:srgbClr val="FFFFFF"/>
                 </a:highlight>
               </a:rPr>
-              <a:t>detect multiple object classes simultaneously. </a:t>
+              <a:t>detect multiple objects simultaneously. </a:t>
             </a:r>
             <a:br>
               <a:rPr i="1" lang="en">
@@ -18265,7 +18911,7 @@
             </a:pPr>
             <a:r>
               <a:rPr lang="en"/>
-              <a:t>Architecture</a:t>
+              <a:t>Pointwise and Depthwise Separable Convolution</a:t>
             </a:r>
             <a:endParaRPr/>
           </a:p>
@@ -18274,99 +18920,6 @@
       <p:pic>
         <p:nvPicPr>
           <p:cNvPr id="181" name="Google Shape;181;p41"/>
-          <p:cNvPicPr preferRelativeResize="0"/>
-          <p:nvPr/>
-        </p:nvPicPr>
-        <p:blipFill>
-          <a:blip r:embed="rId3">
-            <a:alphaModFix/>
-          </a:blip>
-          <a:stretch>
-            <a:fillRect/>
-          </a:stretch>
-        </p:blipFill>
-        <p:spPr>
-          <a:xfrm>
-            <a:off x="1220650" y="1146650"/>
-            <a:ext cx="6702711" cy="3770275"/>
-          </a:xfrm>
-          <a:prstGeom prst="rect">
-            <a:avLst/>
-          </a:prstGeom>
-          <a:noFill/>
-          <a:ln>
-            <a:noFill/>
-          </a:ln>
-        </p:spPr>
-      </p:pic>
-    </p:spTree>
-  </p:cSld>
-  <p:clrMapOvr>
-    <a:masterClrMapping/>
-  </p:clrMapOvr>
-</p:sld>
-</file>
-
-<file path=ppt/slides/slide6.xml><?xml version="1.0" encoding="utf-8"?>
-<p:sld xmlns:a="http://schemas.openxmlformats.org/drawingml/2006/main" xmlns:r="http://schemas.openxmlformats.org/officeDocument/2006/relationships" xmlns:mc="http://schemas.openxmlformats.org/markup-compatibility/2006" xmlns:mv="urn:schemas-microsoft-com:mac:vml" xmlns:p="http://schemas.openxmlformats.org/presentationml/2006/main" xmlns:c="http://schemas.openxmlformats.org/drawingml/2006/chart" xmlns:dgm="http://schemas.openxmlformats.org/drawingml/2006/diagram" xmlns:o="urn:schemas-microsoft-com:office:office" xmlns:v="urn:schemas-microsoft-com:vml" xmlns:pvml="urn:schemas-microsoft-com:office:powerpoint" xmlns:com="http://schemas.openxmlformats.org/drawingml/2006/compatibility" xmlns:p14="http://schemas.microsoft.com/office/powerpoint/2010/main" xmlns:p15="http://schemas.microsoft.com/office/powerpoint/2012/main" xmlns:ahyp="http://schemas.microsoft.com/office/drawing/2018/hyperlinkcolor">
-  <p:cSld>
-    <p:spTree>
-      <p:nvGrpSpPr>
-        <p:cNvPr id="185" name="Shape 185"/>
-        <p:cNvGrpSpPr/>
-        <p:nvPr/>
-      </p:nvGrpSpPr>
-      <p:grpSpPr>
-        <a:xfrm>
-          <a:off x="0" y="0"/>
-          <a:ext cx="0" cy="0"/>
-          <a:chOff x="0" y="0"/>
-          <a:chExt cx="0" cy="0"/>
-        </a:xfrm>
-      </p:grpSpPr>
-      <p:sp>
-        <p:nvSpPr>
-          <p:cNvPr id="186" name="Google Shape;186;p42"/>
-          <p:cNvSpPr txBox="1"/>
-          <p:nvPr>
-            <p:ph type="title"/>
-          </p:nvPr>
-        </p:nvSpPr>
-        <p:spPr>
-          <a:xfrm>
-            <a:off x="311700" y="445025"/>
-            <a:ext cx="8520600" cy="623400"/>
-          </a:xfrm>
-          <a:prstGeom prst="rect">
-            <a:avLst/>
-          </a:prstGeom>
-        </p:spPr>
-        <p:txBody>
-          <a:bodyPr anchorCtr="0" anchor="t" bIns="91425" lIns="91425" spcFirstLastPara="1" rIns="91425" wrap="square" tIns="91425">
-            <a:normAutofit fontScale="90000"/>
-          </a:bodyPr>
-          <a:lstStyle/>
-          <a:p>
-            <a:pPr indent="0" lvl="0" marL="0" rtl="0" algn="l">
-              <a:spcBef>
-                <a:spcPts val="0"/>
-              </a:spcBef>
-              <a:spcAft>
-                <a:spcPts val="0"/>
-              </a:spcAft>
-              <a:buNone/>
-            </a:pPr>
-            <a:r>
-              <a:rPr lang="en"/>
-              <a:t>Pointwise and Depthwise Separable Convolution</a:t>
-            </a:r>
-            <a:endParaRPr/>
-          </a:p>
-        </p:txBody>
-      </p:sp>
-      <p:pic>
-        <p:nvPicPr>
-          <p:cNvPr id="187" name="Google Shape;187;p42"/>
           <p:cNvPicPr preferRelativeResize="0"/>
           <p:nvPr/>
         </p:nvPicPr>
@@ -18394,7 +18947,7 @@
       </p:pic>
       <p:pic>
         <p:nvPicPr>
-          <p:cNvPr id="188" name="Google Shape;188;p42"/>
+          <p:cNvPr id="182" name="Google Shape;182;p41"/>
           <p:cNvPicPr preferRelativeResize="0"/>
           <p:nvPr/>
         </p:nvPicPr>
@@ -18410,6 +18963,99 @@
           <a:xfrm>
             <a:off x="4115211" y="1245550"/>
             <a:ext cx="4438650" cy="2981325"/>
+          </a:xfrm>
+          <a:prstGeom prst="rect">
+            <a:avLst/>
+          </a:prstGeom>
+          <a:noFill/>
+          <a:ln>
+            <a:noFill/>
+          </a:ln>
+        </p:spPr>
+      </p:pic>
+    </p:spTree>
+  </p:cSld>
+  <p:clrMapOvr>
+    <a:masterClrMapping/>
+  </p:clrMapOvr>
+</p:sld>
+</file>
+
+<file path=ppt/slides/slide6.xml><?xml version="1.0" encoding="utf-8"?>
+<p:sld xmlns:a="http://schemas.openxmlformats.org/drawingml/2006/main" xmlns:r="http://schemas.openxmlformats.org/officeDocument/2006/relationships" xmlns:mc="http://schemas.openxmlformats.org/markup-compatibility/2006" xmlns:mv="urn:schemas-microsoft-com:mac:vml" xmlns:p="http://schemas.openxmlformats.org/presentationml/2006/main" xmlns:c="http://schemas.openxmlformats.org/drawingml/2006/chart" xmlns:dgm="http://schemas.openxmlformats.org/drawingml/2006/diagram" xmlns:o="urn:schemas-microsoft-com:office:office" xmlns:v="urn:schemas-microsoft-com:vml" xmlns:pvml="urn:schemas-microsoft-com:office:powerpoint" xmlns:com="http://schemas.openxmlformats.org/drawingml/2006/compatibility" xmlns:p14="http://schemas.microsoft.com/office/powerpoint/2010/main" xmlns:p15="http://schemas.microsoft.com/office/powerpoint/2012/main" xmlns:ahyp="http://schemas.microsoft.com/office/drawing/2018/hyperlinkcolor">
+  <p:cSld>
+    <p:spTree>
+      <p:nvGrpSpPr>
+        <p:cNvPr id="186" name="Shape 186"/>
+        <p:cNvGrpSpPr/>
+        <p:nvPr/>
+      </p:nvGrpSpPr>
+      <p:grpSpPr>
+        <a:xfrm>
+          <a:off x="0" y="0"/>
+          <a:ext cx="0" cy="0"/>
+          <a:chOff x="0" y="0"/>
+          <a:chExt cx="0" cy="0"/>
+        </a:xfrm>
+      </p:grpSpPr>
+      <p:sp>
+        <p:nvSpPr>
+          <p:cNvPr id="187" name="Google Shape;187;p42"/>
+          <p:cNvSpPr txBox="1"/>
+          <p:nvPr>
+            <p:ph type="title"/>
+          </p:nvPr>
+        </p:nvSpPr>
+        <p:spPr>
+          <a:xfrm>
+            <a:off x="311700" y="445025"/>
+            <a:ext cx="8520600" cy="623400"/>
+          </a:xfrm>
+          <a:prstGeom prst="rect">
+            <a:avLst/>
+          </a:prstGeom>
+        </p:spPr>
+        <p:txBody>
+          <a:bodyPr anchorCtr="0" anchor="t" bIns="91425" lIns="91425" spcFirstLastPara="1" rIns="91425" wrap="square" tIns="91425">
+            <a:normAutofit fontScale="90000"/>
+          </a:bodyPr>
+          <a:lstStyle/>
+          <a:p>
+            <a:pPr indent="0" lvl="0" marL="0" rtl="0" algn="l">
+              <a:spcBef>
+                <a:spcPts val="0"/>
+              </a:spcBef>
+              <a:spcAft>
+                <a:spcPts val="0"/>
+              </a:spcAft>
+              <a:buNone/>
+            </a:pPr>
+            <a:r>
+              <a:rPr lang="en"/>
+              <a:t>Architecture</a:t>
+            </a:r>
+            <a:endParaRPr/>
+          </a:p>
+        </p:txBody>
+      </p:sp>
+      <p:pic>
+        <p:nvPicPr>
+          <p:cNvPr id="188" name="Google Shape;188;p42"/>
+          <p:cNvPicPr preferRelativeResize="0"/>
+          <p:nvPr/>
+        </p:nvPicPr>
+        <p:blipFill>
+          <a:blip r:embed="rId3">
+            <a:alphaModFix/>
+          </a:blip>
+          <a:stretch>
+            <a:fillRect/>
+          </a:stretch>
+        </p:blipFill>
+        <p:spPr>
+          <a:xfrm>
+            <a:off x="1220650" y="1146650"/>
+            <a:ext cx="6702711" cy="3770275"/>
           </a:xfrm>
           <a:prstGeom prst="rect">
             <a:avLst/>
@@ -19013,7 +19659,7 @@
             </a:pPr>
             <a:r>
               <a:rPr lang="en"/>
-              <a:t>References</a:t>
+              <a:t>Documentation</a:t>
             </a:r>
             <a:endParaRPr/>
           </a:p>
@@ -19056,14 +19702,36 @@
               <a:buChar char="●"/>
             </a:pPr>
             <a:r>
+              <a:rPr lang="en">
+                <a:solidFill>
+                  <a:schemeClr val="dk2"/>
+                </a:solidFill>
+              </a:rPr>
+              <a:t>Find the detailed documentation here:</a:t>
+            </a:r>
+            <a:br>
+              <a:rPr lang="en">
+                <a:solidFill>
+                  <a:schemeClr val="dk2"/>
+                </a:solidFill>
+              </a:rPr>
+            </a:br>
+            <a:r>
               <a:rPr lang="en" u="sng">
                 <a:solidFill>
                   <a:schemeClr val="hlink"/>
                 </a:solidFill>
                 <a:hlinkClick r:id="rId3"/>
               </a:rPr>
-              <a:t>MobileNets: Efficient Convolutional Neural Networks for Mobile Vision Applications</a:t>
+              <a:t>https://github.com/cmaspi/TIHAN-MILAN/tree/main/Report</a:t>
             </a:r>
+            <a:br>
+              <a:rPr lang="en">
+                <a:solidFill>
+                  <a:schemeClr val="dk2"/>
+                </a:solidFill>
+              </a:rPr>
+            </a:br>
             <a:endParaRPr>
               <a:solidFill>
                 <a:schemeClr val="dk2"/>
@@ -19085,19 +19753,14 @@
               <a:buChar char="●"/>
             </a:pPr>
             <a:r>
-              <a:rPr lang="en" u="sng">
-                <a:solidFill>
-                  <a:schemeClr val="hlink"/>
-                </a:solidFill>
-                <a:hlinkClick r:id="rId4"/>
+              <a:rPr lang="en">
+                <a:solidFill>
+                  <a:schemeClr val="dk2"/>
+                </a:solidFill>
               </a:rPr>
-              <a:t>LISA Traffic Light Dataset</a:t>
+              <a:t>A README giving overall description of the project is available in the repo</a:t>
             </a:r>
-            <a:endParaRPr>
-              <a:solidFill>
-                <a:schemeClr val="dk2"/>
-              </a:solidFill>
-            </a:endParaRPr>
+            <a:endParaRPr/>
           </a:p>
         </p:txBody>
       </p:sp>
@@ -19110,285 +19773,6 @@
 </file>
 
 <file path=ppt/theme/theme1.xml><?xml version="1.0" encoding="utf-8"?>
-<a:theme xmlns:a="http://schemas.openxmlformats.org/drawingml/2006/main" xmlns:r="http://schemas.openxmlformats.org/officeDocument/2006/relationships" name="Simple Light">
-  <a:themeElements>
-    <a:clrScheme name="Simple Light">
-      <a:dk1>
-        <a:srgbClr val="000000"/>
-      </a:dk1>
-      <a:lt1>
-        <a:srgbClr val="FFFFFF"/>
-      </a:lt1>
-      <a:dk2>
-        <a:srgbClr val="595959"/>
-      </a:dk2>
-      <a:lt2>
-        <a:srgbClr val="EEEEEE"/>
-      </a:lt2>
-      <a:accent1>
-        <a:srgbClr val="4285F4"/>
-      </a:accent1>
-      <a:accent2>
-        <a:srgbClr val="212121"/>
-      </a:accent2>
-      <a:accent3>
-        <a:srgbClr val="78909C"/>
-      </a:accent3>
-      <a:accent4>
-        <a:srgbClr val="FFAB40"/>
-      </a:accent4>
-      <a:accent5>
-        <a:srgbClr val="0097A7"/>
-      </a:accent5>
-      <a:accent6>
-        <a:srgbClr val="EEFF41"/>
-      </a:accent6>
-      <a:hlink>
-        <a:srgbClr val="0097A7"/>
-      </a:hlink>
-      <a:folHlink>
-        <a:srgbClr val="0097A7"/>
-      </a:folHlink>
-    </a:clrScheme>
-    <a:fontScheme name="Office">
-      <a:majorFont>
-        <a:latin typeface="Arial"/>
-        <a:ea typeface=""/>
-        <a:cs typeface=""/>
-        <a:font script="Jpan" typeface="ＭＳ Ｐゴシック"/>
-        <a:font script="Hang" typeface="맑은 고딕"/>
-        <a:font script="Hans" typeface="宋体"/>
-        <a:font script="Hant" typeface="新細明體"/>
-        <a:font script="Arab" typeface="Times New Roman"/>
-        <a:font script="Hebr" typeface="Times New Roman"/>
-        <a:font script="Thai" typeface="Angsana New"/>
-        <a:font script="Ethi" typeface="Nyala"/>
-        <a:font script="Beng" typeface="Vrinda"/>
-        <a:font script="Gujr" typeface="Shruti"/>
-        <a:font script="Khmr" typeface="MoolBoran"/>
-        <a:font script="Knda" typeface="Tunga"/>
-        <a:font script="Guru" typeface="Raavi"/>
-        <a:font script="Cans" typeface="Euphemia"/>
-        <a:font script="Cher" typeface="Plantagenet Cherokee"/>
-        <a:font script="Yiii" typeface="Microsoft Yi Baiti"/>
-        <a:font script="Tibt" typeface="Microsoft Himalaya"/>
-        <a:font script="Thaa" typeface="MV Boli"/>
-        <a:font script="Deva" typeface="Mangal"/>
-        <a:font script="Telu" typeface="Gautami"/>
-        <a:font script="Taml" typeface="Latha"/>
-        <a:font script="Syrc" typeface="Estrangelo Edessa"/>
-        <a:font script="Orya" typeface="Kalinga"/>
-        <a:font script="Mlym" typeface="Kartika"/>
-        <a:font script="Laoo" typeface="DokChampa"/>
-        <a:font script="Sinh" typeface="Iskoola Pota"/>
-        <a:font script="Mong" typeface="Mongolian Baiti"/>
-        <a:font script="Viet" typeface="Times New Roman"/>
-        <a:font script="Uigh" typeface="Microsoft Uighur"/>
-        <a:font script="Geor" typeface="Sylfaen"/>
-      </a:majorFont>
-      <a:minorFont>
-        <a:latin typeface="Arial"/>
-        <a:ea typeface=""/>
-        <a:cs typeface=""/>
-        <a:font script="Jpan" typeface="ＭＳ Ｐゴシック"/>
-        <a:font script="Hang" typeface="맑은 고딕"/>
-        <a:font script="Hans" typeface="宋体"/>
-        <a:font script="Hant" typeface="新細明體"/>
-        <a:font script="Arab" typeface="Arial"/>
-        <a:font script="Hebr" typeface="Arial"/>
-        <a:font script="Thai" typeface="Cordia New"/>
-        <a:font script="Ethi" typeface="Nyala"/>
-        <a:font script="Beng" typeface="Vrinda"/>
-        <a:font script="Gujr" typeface="Shruti"/>
-        <a:font script="Khmr" typeface="DaunPenh"/>
-        <a:font script="Knda" typeface="Tunga"/>
-        <a:font script="Guru" typeface="Raavi"/>
-        <a:font script="Cans" typeface="Euphemia"/>
-        <a:font script="Cher" typeface="Plantagenet Cherokee"/>
-        <a:font script="Yiii" typeface="Microsoft Yi Baiti"/>
-        <a:font script="Tibt" typeface="Microsoft Himalaya"/>
-        <a:font script="Thaa" typeface="MV Boli"/>
-        <a:font script="Deva" typeface="Mangal"/>
-        <a:font script="Telu" typeface="Gautami"/>
-        <a:font script="Taml" typeface="Latha"/>
-        <a:font script="Syrc" typeface="Estrangelo Edessa"/>
-        <a:font script="Orya" typeface="Kalinga"/>
-        <a:font script="Mlym" typeface="Kartika"/>
-        <a:font script="Laoo" typeface="DokChampa"/>
-        <a:font script="Sinh" typeface="Iskoola Pota"/>
-        <a:font script="Mong" typeface="Mongolian Baiti"/>
-        <a:font script="Viet" typeface="Arial"/>
-        <a:font script="Uigh" typeface="Microsoft Uighur"/>
-        <a:font script="Geor" typeface="Sylfaen"/>
-      </a:minorFont>
-    </a:fontScheme>
-    <a:fmtScheme name="Office">
-      <a:fillStyleLst>
-        <a:solidFill>
-          <a:schemeClr val="phClr"/>
-        </a:solidFill>
-        <a:gradFill rotWithShape="1">
-          <a:gsLst>
-            <a:gs pos="0">
-              <a:schemeClr val="phClr">
-                <a:tint val="50000"/>
-                <a:satMod val="300000"/>
-              </a:schemeClr>
-            </a:gs>
-            <a:gs pos="35000">
-              <a:schemeClr val="phClr">
-                <a:tint val="37000"/>
-                <a:satMod val="300000"/>
-              </a:schemeClr>
-            </a:gs>
-            <a:gs pos="100000">
-              <a:schemeClr val="phClr">
-                <a:tint val="15000"/>
-                <a:satMod val="350000"/>
-              </a:schemeClr>
-            </a:gs>
-          </a:gsLst>
-          <a:lin ang="16200000" scaled="1"/>
-        </a:gradFill>
-        <a:gradFill rotWithShape="1">
-          <a:gsLst>
-            <a:gs pos="0">
-              <a:schemeClr val="phClr">
-                <a:tint val="100000"/>
-                <a:shade val="100000"/>
-                <a:satMod val="130000"/>
-              </a:schemeClr>
-            </a:gs>
-            <a:gs pos="100000">
-              <a:schemeClr val="phClr">
-                <a:tint val="50000"/>
-                <a:shade val="100000"/>
-                <a:satMod val="350000"/>
-              </a:schemeClr>
-            </a:gs>
-          </a:gsLst>
-          <a:lin ang="16200000" scaled="0"/>
-        </a:gradFill>
-      </a:fillStyleLst>
-      <a:lnStyleLst>
-        <a:ln w="9525" cap="flat" cmpd="sng" algn="ctr">
-          <a:solidFill>
-            <a:schemeClr val="phClr">
-              <a:shade val="95000"/>
-              <a:satMod val="105000"/>
-            </a:schemeClr>
-          </a:solidFill>
-          <a:prstDash val="solid"/>
-        </a:ln>
-        <a:ln w="25400" cap="flat" cmpd="sng" algn="ctr">
-          <a:solidFill>
-            <a:schemeClr val="phClr"/>
-          </a:solidFill>
-          <a:prstDash val="solid"/>
-        </a:ln>
-        <a:ln w="38100" cap="flat" cmpd="sng" algn="ctr">
-          <a:solidFill>
-            <a:schemeClr val="phClr"/>
-          </a:solidFill>
-          <a:prstDash val="solid"/>
-        </a:ln>
-      </a:lnStyleLst>
-      <a:effectStyleLst>
-        <a:effectStyle>
-          <a:effectLst>
-            <a:outerShdw blurRad="40000" dist="20000" dir="5400000" rotWithShape="0">
-              <a:srgbClr val="000000">
-                <a:alpha val="38000"/>
-              </a:srgbClr>
-            </a:outerShdw>
-          </a:effectLst>
-        </a:effectStyle>
-        <a:effectStyle>
-          <a:effectLst>
-            <a:outerShdw blurRad="40000" dist="23000" dir="5400000" rotWithShape="0">
-              <a:srgbClr val="000000">
-                <a:alpha val="35000"/>
-              </a:srgbClr>
-            </a:outerShdw>
-          </a:effectLst>
-        </a:effectStyle>
-        <a:effectStyle>
-          <a:effectLst>
-            <a:outerShdw blurRad="40000" dist="23000" dir="5400000" rotWithShape="0">
-              <a:srgbClr val="000000">
-                <a:alpha val="35000"/>
-              </a:srgbClr>
-            </a:outerShdw>
-          </a:effectLst>
-          <a:scene3d>
-            <a:camera prst="orthographicFront">
-              <a:rot lat="0" lon="0" rev="0"/>
-            </a:camera>
-            <a:lightRig rig="threePt" dir="t">
-              <a:rot lat="0" lon="0" rev="1200000"/>
-            </a:lightRig>
-          </a:scene3d>
-          <a:sp3d>
-            <a:bevelT w="63500" h="25400"/>
-          </a:sp3d>
-        </a:effectStyle>
-      </a:effectStyleLst>
-      <a:bgFillStyleLst>
-        <a:solidFill>
-          <a:schemeClr val="phClr"/>
-        </a:solidFill>
-        <a:gradFill rotWithShape="1">
-          <a:gsLst>
-            <a:gs pos="0">
-              <a:schemeClr val="phClr">
-                <a:tint val="40000"/>
-                <a:satMod val="350000"/>
-              </a:schemeClr>
-            </a:gs>
-            <a:gs pos="40000">
-              <a:schemeClr val="phClr">
-                <a:tint val="45000"/>
-                <a:shade val="99000"/>
-                <a:satMod val="350000"/>
-              </a:schemeClr>
-            </a:gs>
-            <a:gs pos="100000">
-              <a:schemeClr val="phClr">
-                <a:shade val="20000"/>
-                <a:satMod val="255000"/>
-              </a:schemeClr>
-            </a:gs>
-          </a:gsLst>
-          <a:path path="circle">
-            <a:fillToRect l="50000" t="-80000" r="50000" b="180000"/>
-          </a:path>
-        </a:gradFill>
-        <a:gradFill rotWithShape="1">
-          <a:gsLst>
-            <a:gs pos="0">
-              <a:schemeClr val="phClr">
-                <a:tint val="80000"/>
-                <a:satMod val="300000"/>
-              </a:schemeClr>
-            </a:gs>
-            <a:gs pos="100000">
-              <a:schemeClr val="phClr">
-                <a:shade val="30000"/>
-                <a:satMod val="200000"/>
-              </a:schemeClr>
-            </a:gs>
-          </a:gsLst>
-          <a:path path="circle">
-            <a:fillToRect l="50000" t="50000" r="50000" b="50000"/>
-          </a:path>
-        </a:gradFill>
-      </a:bgFillStyleLst>
-    </a:fmtScheme>
-  </a:themeElements>
-</a:theme>
-</file>
-
-<file path=ppt/theme/theme2.xml><?xml version="1.0" encoding="utf-8"?>
 <a:theme xmlns:a="http://schemas.openxmlformats.org/drawingml/2006/main" xmlns:r="http://schemas.openxmlformats.org/officeDocument/2006/relationships">
   <a:themeElements>
     <a:clrScheme name="Default">
@@ -19667,7 +20051,7 @@
 </a:theme>
 </file>
 
-<file path=ppt/theme/theme3.xml><?xml version="1.0" encoding="utf-8"?>
+<file path=ppt/theme/theme2.xml><?xml version="1.0" encoding="utf-8"?>
 <a:theme xmlns:a="http://schemas.openxmlformats.org/drawingml/2006/main" xmlns:r="http://schemas.openxmlformats.org/officeDocument/2006/relationships" name="Pop">
   <a:themeElements>
     <a:clrScheme name="Pop">
@@ -19706,6 +20090,285 @@
       </a:hlink>
       <a:folHlink>
         <a:srgbClr val="0F9D58"/>
+      </a:folHlink>
+    </a:clrScheme>
+    <a:fontScheme name="Office">
+      <a:majorFont>
+        <a:latin typeface="Arial"/>
+        <a:ea typeface=""/>
+        <a:cs typeface=""/>
+        <a:font script="Jpan" typeface="ＭＳ Ｐゴシック"/>
+        <a:font script="Hang" typeface="맑은 고딕"/>
+        <a:font script="Hans" typeface="宋体"/>
+        <a:font script="Hant" typeface="新細明體"/>
+        <a:font script="Arab" typeface="Times New Roman"/>
+        <a:font script="Hebr" typeface="Times New Roman"/>
+        <a:font script="Thai" typeface="Angsana New"/>
+        <a:font script="Ethi" typeface="Nyala"/>
+        <a:font script="Beng" typeface="Vrinda"/>
+        <a:font script="Gujr" typeface="Shruti"/>
+        <a:font script="Khmr" typeface="MoolBoran"/>
+        <a:font script="Knda" typeface="Tunga"/>
+        <a:font script="Guru" typeface="Raavi"/>
+        <a:font script="Cans" typeface="Euphemia"/>
+        <a:font script="Cher" typeface="Plantagenet Cherokee"/>
+        <a:font script="Yiii" typeface="Microsoft Yi Baiti"/>
+        <a:font script="Tibt" typeface="Microsoft Himalaya"/>
+        <a:font script="Thaa" typeface="MV Boli"/>
+        <a:font script="Deva" typeface="Mangal"/>
+        <a:font script="Telu" typeface="Gautami"/>
+        <a:font script="Taml" typeface="Latha"/>
+        <a:font script="Syrc" typeface="Estrangelo Edessa"/>
+        <a:font script="Orya" typeface="Kalinga"/>
+        <a:font script="Mlym" typeface="Kartika"/>
+        <a:font script="Laoo" typeface="DokChampa"/>
+        <a:font script="Sinh" typeface="Iskoola Pota"/>
+        <a:font script="Mong" typeface="Mongolian Baiti"/>
+        <a:font script="Viet" typeface="Times New Roman"/>
+        <a:font script="Uigh" typeface="Microsoft Uighur"/>
+        <a:font script="Geor" typeface="Sylfaen"/>
+      </a:majorFont>
+      <a:minorFont>
+        <a:latin typeface="Arial"/>
+        <a:ea typeface=""/>
+        <a:cs typeface=""/>
+        <a:font script="Jpan" typeface="ＭＳ Ｐゴシック"/>
+        <a:font script="Hang" typeface="맑은 고딕"/>
+        <a:font script="Hans" typeface="宋体"/>
+        <a:font script="Hant" typeface="新細明體"/>
+        <a:font script="Arab" typeface="Arial"/>
+        <a:font script="Hebr" typeface="Arial"/>
+        <a:font script="Thai" typeface="Cordia New"/>
+        <a:font script="Ethi" typeface="Nyala"/>
+        <a:font script="Beng" typeface="Vrinda"/>
+        <a:font script="Gujr" typeface="Shruti"/>
+        <a:font script="Khmr" typeface="DaunPenh"/>
+        <a:font script="Knda" typeface="Tunga"/>
+        <a:font script="Guru" typeface="Raavi"/>
+        <a:font script="Cans" typeface="Euphemia"/>
+        <a:font script="Cher" typeface="Plantagenet Cherokee"/>
+        <a:font script="Yiii" typeface="Microsoft Yi Baiti"/>
+        <a:font script="Tibt" typeface="Microsoft Himalaya"/>
+        <a:font script="Thaa" typeface="MV Boli"/>
+        <a:font script="Deva" typeface="Mangal"/>
+        <a:font script="Telu" typeface="Gautami"/>
+        <a:font script="Taml" typeface="Latha"/>
+        <a:font script="Syrc" typeface="Estrangelo Edessa"/>
+        <a:font script="Orya" typeface="Kalinga"/>
+        <a:font script="Mlym" typeface="Kartika"/>
+        <a:font script="Laoo" typeface="DokChampa"/>
+        <a:font script="Sinh" typeface="Iskoola Pota"/>
+        <a:font script="Mong" typeface="Mongolian Baiti"/>
+        <a:font script="Viet" typeface="Arial"/>
+        <a:font script="Uigh" typeface="Microsoft Uighur"/>
+        <a:font script="Geor" typeface="Sylfaen"/>
+      </a:minorFont>
+    </a:fontScheme>
+    <a:fmtScheme name="Office">
+      <a:fillStyleLst>
+        <a:solidFill>
+          <a:schemeClr val="phClr"/>
+        </a:solidFill>
+        <a:gradFill rotWithShape="1">
+          <a:gsLst>
+            <a:gs pos="0">
+              <a:schemeClr val="phClr">
+                <a:tint val="50000"/>
+                <a:satMod val="300000"/>
+              </a:schemeClr>
+            </a:gs>
+            <a:gs pos="35000">
+              <a:schemeClr val="phClr">
+                <a:tint val="37000"/>
+                <a:satMod val="300000"/>
+              </a:schemeClr>
+            </a:gs>
+            <a:gs pos="100000">
+              <a:schemeClr val="phClr">
+                <a:tint val="15000"/>
+                <a:satMod val="350000"/>
+              </a:schemeClr>
+            </a:gs>
+          </a:gsLst>
+          <a:lin ang="16200000" scaled="1"/>
+        </a:gradFill>
+        <a:gradFill rotWithShape="1">
+          <a:gsLst>
+            <a:gs pos="0">
+              <a:schemeClr val="phClr">
+                <a:tint val="100000"/>
+                <a:shade val="100000"/>
+                <a:satMod val="130000"/>
+              </a:schemeClr>
+            </a:gs>
+            <a:gs pos="100000">
+              <a:schemeClr val="phClr">
+                <a:tint val="50000"/>
+                <a:shade val="100000"/>
+                <a:satMod val="350000"/>
+              </a:schemeClr>
+            </a:gs>
+          </a:gsLst>
+          <a:lin ang="16200000" scaled="0"/>
+        </a:gradFill>
+      </a:fillStyleLst>
+      <a:lnStyleLst>
+        <a:ln w="9525" cap="flat" cmpd="sng" algn="ctr">
+          <a:solidFill>
+            <a:schemeClr val="phClr">
+              <a:shade val="95000"/>
+              <a:satMod val="105000"/>
+            </a:schemeClr>
+          </a:solidFill>
+          <a:prstDash val="solid"/>
+        </a:ln>
+        <a:ln w="25400" cap="flat" cmpd="sng" algn="ctr">
+          <a:solidFill>
+            <a:schemeClr val="phClr"/>
+          </a:solidFill>
+          <a:prstDash val="solid"/>
+        </a:ln>
+        <a:ln w="38100" cap="flat" cmpd="sng" algn="ctr">
+          <a:solidFill>
+            <a:schemeClr val="phClr"/>
+          </a:solidFill>
+          <a:prstDash val="solid"/>
+        </a:ln>
+      </a:lnStyleLst>
+      <a:effectStyleLst>
+        <a:effectStyle>
+          <a:effectLst>
+            <a:outerShdw blurRad="40000" dist="20000" dir="5400000" rotWithShape="0">
+              <a:srgbClr val="000000">
+                <a:alpha val="38000"/>
+              </a:srgbClr>
+            </a:outerShdw>
+          </a:effectLst>
+        </a:effectStyle>
+        <a:effectStyle>
+          <a:effectLst>
+            <a:outerShdw blurRad="40000" dist="23000" dir="5400000" rotWithShape="0">
+              <a:srgbClr val="000000">
+                <a:alpha val="35000"/>
+              </a:srgbClr>
+            </a:outerShdw>
+          </a:effectLst>
+        </a:effectStyle>
+        <a:effectStyle>
+          <a:effectLst>
+            <a:outerShdw blurRad="40000" dist="23000" dir="5400000" rotWithShape="0">
+              <a:srgbClr val="000000">
+                <a:alpha val="35000"/>
+              </a:srgbClr>
+            </a:outerShdw>
+          </a:effectLst>
+          <a:scene3d>
+            <a:camera prst="orthographicFront">
+              <a:rot lat="0" lon="0" rev="0"/>
+            </a:camera>
+            <a:lightRig rig="threePt" dir="t">
+              <a:rot lat="0" lon="0" rev="1200000"/>
+            </a:lightRig>
+          </a:scene3d>
+          <a:sp3d>
+            <a:bevelT w="63500" h="25400"/>
+          </a:sp3d>
+        </a:effectStyle>
+      </a:effectStyleLst>
+      <a:bgFillStyleLst>
+        <a:solidFill>
+          <a:schemeClr val="phClr"/>
+        </a:solidFill>
+        <a:gradFill rotWithShape="1">
+          <a:gsLst>
+            <a:gs pos="0">
+              <a:schemeClr val="phClr">
+                <a:tint val="40000"/>
+                <a:satMod val="350000"/>
+              </a:schemeClr>
+            </a:gs>
+            <a:gs pos="40000">
+              <a:schemeClr val="phClr">
+                <a:tint val="45000"/>
+                <a:shade val="99000"/>
+                <a:satMod val="350000"/>
+              </a:schemeClr>
+            </a:gs>
+            <a:gs pos="100000">
+              <a:schemeClr val="phClr">
+                <a:shade val="20000"/>
+                <a:satMod val="255000"/>
+              </a:schemeClr>
+            </a:gs>
+          </a:gsLst>
+          <a:path path="circle">
+            <a:fillToRect l="50000" t="-80000" r="50000" b="180000"/>
+          </a:path>
+        </a:gradFill>
+        <a:gradFill rotWithShape="1">
+          <a:gsLst>
+            <a:gs pos="0">
+              <a:schemeClr val="phClr">
+                <a:tint val="80000"/>
+                <a:satMod val="300000"/>
+              </a:schemeClr>
+            </a:gs>
+            <a:gs pos="100000">
+              <a:schemeClr val="phClr">
+                <a:shade val="30000"/>
+                <a:satMod val="200000"/>
+              </a:schemeClr>
+            </a:gs>
+          </a:gsLst>
+          <a:path path="circle">
+            <a:fillToRect l="50000" t="50000" r="50000" b="50000"/>
+          </a:path>
+        </a:gradFill>
+      </a:bgFillStyleLst>
+    </a:fmtScheme>
+  </a:themeElements>
+</a:theme>
+</file>
+
+<file path=ppt/theme/theme3.xml><?xml version="1.0" encoding="utf-8"?>
+<a:theme xmlns:a="http://schemas.openxmlformats.org/drawingml/2006/main" xmlns:r="http://schemas.openxmlformats.org/officeDocument/2006/relationships" name="Simple Light">
+  <a:themeElements>
+    <a:clrScheme name="Simple Light">
+      <a:dk1>
+        <a:srgbClr val="000000"/>
+      </a:dk1>
+      <a:lt1>
+        <a:srgbClr val="FFFFFF"/>
+      </a:lt1>
+      <a:dk2>
+        <a:srgbClr val="595959"/>
+      </a:dk2>
+      <a:lt2>
+        <a:srgbClr val="EEEEEE"/>
+      </a:lt2>
+      <a:accent1>
+        <a:srgbClr val="4285F4"/>
+      </a:accent1>
+      <a:accent2>
+        <a:srgbClr val="212121"/>
+      </a:accent2>
+      <a:accent3>
+        <a:srgbClr val="78909C"/>
+      </a:accent3>
+      <a:accent4>
+        <a:srgbClr val="FFAB40"/>
+      </a:accent4>
+      <a:accent5>
+        <a:srgbClr val="0097A7"/>
+      </a:accent5>
+      <a:accent6>
+        <a:srgbClr val="EEFF41"/>
+      </a:accent6>
+      <a:hlink>
+        <a:srgbClr val="0097A7"/>
+      </a:hlink>
+      <a:folHlink>
+        <a:srgbClr val="0097A7"/>
       </a:folHlink>
     </a:clrScheme>
     <a:fontScheme name="Office">
